--- a/tenMinutePhysics/sand/slides.pptx
+++ b/tenMinutePhysics/sand/slides.pptx
@@ -104,6 +104,11 @@
       </a:defRPr>
     </a:lvl9pPr>
   </p:defaultTextStyle>
+  <p:extLst>
+    <p:ext uri="{EFAFB233-063F-42B5-8137-9DF3F51BA10A}">
+      <p15:sldGuideLst xmlns:p15="http://schemas.microsoft.com/office/powerpoint/2012/main"/>
+    </p:ext>
+  </p:extLst>
 </p:presentation>
 </file>
 
@@ -254,7 +259,7 @@
           <a:p>
             <a:fld id="{CF49AAA1-7F16-48AC-B60F-460B4455F6AF}" type="datetimeFigureOut">
               <a:rPr lang="en-US" smtClean="0"/>
-              <a:t>11/7/2020</a:t>
+              <a:t>11/11/2020</a:t>
             </a:fld>
             <a:endParaRPr lang="en-US"/>
           </a:p>
@@ -452,7 +457,7 @@
           <a:p>
             <a:fld id="{CF49AAA1-7F16-48AC-B60F-460B4455F6AF}" type="datetimeFigureOut">
               <a:rPr lang="en-US" smtClean="0"/>
-              <a:t>11/7/2020</a:t>
+              <a:t>11/11/2020</a:t>
             </a:fld>
             <a:endParaRPr lang="en-US"/>
           </a:p>
@@ -660,7 +665,7 @@
           <a:p>
             <a:fld id="{CF49AAA1-7F16-48AC-B60F-460B4455F6AF}" type="datetimeFigureOut">
               <a:rPr lang="en-US" smtClean="0"/>
-              <a:t>11/7/2020</a:t>
+              <a:t>11/11/2020</a:t>
             </a:fld>
             <a:endParaRPr lang="en-US"/>
           </a:p>
@@ -858,7 +863,7 @@
           <a:p>
             <a:fld id="{CF49AAA1-7F16-48AC-B60F-460B4455F6AF}" type="datetimeFigureOut">
               <a:rPr lang="en-US" smtClean="0"/>
-              <a:t>11/7/2020</a:t>
+              <a:t>11/11/2020</a:t>
             </a:fld>
             <a:endParaRPr lang="en-US"/>
           </a:p>
@@ -1133,7 +1138,7 @@
           <a:p>
             <a:fld id="{CF49AAA1-7F16-48AC-B60F-460B4455F6AF}" type="datetimeFigureOut">
               <a:rPr lang="en-US" smtClean="0"/>
-              <a:t>11/7/2020</a:t>
+              <a:t>11/11/2020</a:t>
             </a:fld>
             <a:endParaRPr lang="en-US"/>
           </a:p>
@@ -1398,7 +1403,7 @@
           <a:p>
             <a:fld id="{CF49AAA1-7F16-48AC-B60F-460B4455F6AF}" type="datetimeFigureOut">
               <a:rPr lang="en-US" smtClean="0"/>
-              <a:t>11/7/2020</a:t>
+              <a:t>11/11/2020</a:t>
             </a:fld>
             <a:endParaRPr lang="en-US"/>
           </a:p>
@@ -1810,7 +1815,7 @@
           <a:p>
             <a:fld id="{CF49AAA1-7F16-48AC-B60F-460B4455F6AF}" type="datetimeFigureOut">
               <a:rPr lang="en-US" smtClean="0"/>
-              <a:t>11/7/2020</a:t>
+              <a:t>11/11/2020</a:t>
             </a:fld>
             <a:endParaRPr lang="en-US"/>
           </a:p>
@@ -1951,7 +1956,7 @@
           <a:p>
             <a:fld id="{CF49AAA1-7F16-48AC-B60F-460B4455F6AF}" type="datetimeFigureOut">
               <a:rPr lang="en-US" smtClean="0"/>
-              <a:t>11/7/2020</a:t>
+              <a:t>11/11/2020</a:t>
             </a:fld>
             <a:endParaRPr lang="en-US"/>
           </a:p>
@@ -2064,7 +2069,7 @@
           <a:p>
             <a:fld id="{CF49AAA1-7F16-48AC-B60F-460B4455F6AF}" type="datetimeFigureOut">
               <a:rPr lang="en-US" smtClean="0"/>
-              <a:t>11/7/2020</a:t>
+              <a:t>11/11/2020</a:t>
             </a:fld>
             <a:endParaRPr lang="en-US"/>
           </a:p>
@@ -2375,7 +2380,7 @@
           <a:p>
             <a:fld id="{CF49AAA1-7F16-48AC-B60F-460B4455F6AF}" type="datetimeFigureOut">
               <a:rPr lang="en-US" smtClean="0"/>
-              <a:t>11/7/2020</a:t>
+              <a:t>11/11/2020</a:t>
             </a:fld>
             <a:endParaRPr lang="en-US"/>
           </a:p>
@@ -2663,7 +2668,7 @@
           <a:p>
             <a:fld id="{CF49AAA1-7F16-48AC-B60F-460B4455F6AF}" type="datetimeFigureOut">
               <a:rPr lang="en-US" smtClean="0"/>
-              <a:t>11/7/2020</a:t>
+              <a:t>11/11/2020</a:t>
             </a:fld>
             <a:endParaRPr lang="en-US"/>
           </a:p>
@@ -2904,7 +2909,7 @@
           <a:p>
             <a:fld id="{CF49AAA1-7F16-48AC-B60F-460B4455F6AF}" type="datetimeFigureOut">
               <a:rPr lang="en-US" smtClean="0"/>
-              <a:t>11/7/2020</a:t>
+              <a:t>11/11/2020</a:t>
             </a:fld>
             <a:endParaRPr lang="en-US"/>
           </a:p>
@@ -3338,7 +3343,7 @@
             <p:spPr>
               <a:xfrm>
                 <a:off x="1366157" y="1224642"/>
-                <a:ext cx="4706801" cy="777200"/>
+                <a:ext cx="4577728" cy="777200"/>
               </a:xfrm>
               <a:prstGeom prst="rect">
                 <a:avLst/>
@@ -3351,6 +3356,7 @@
               </a:bodyPr>
               <a:lstStyle/>
               <a:p>
+                <a:pPr/>
                 <a14:m>
                   <m:oMathPara xmlns:m="http://schemas.openxmlformats.org/officeDocument/2006/math">
                     <m:oMathParaPr>
@@ -3418,7 +3424,7 @@
                                 <a:rPr lang="en-US" sz="2400" b="0" i="1" smtClean="0">
                                   <a:latin typeface="Cambria Math" panose="02040503050406030204" pitchFamily="18" charset="0"/>
                                 </a:rPr>
-                                <m:t>𝑚</m:t>
+                                <m:t>𝑤</m:t>
                               </m:r>
                             </m:e>
                             <m:sub>
@@ -3426,7 +3432,7 @@
                                 <a:rPr lang="en-US" sz="2400" b="0" i="1" smtClean="0">
                                   <a:latin typeface="Cambria Math" panose="02040503050406030204" pitchFamily="18" charset="0"/>
                                 </a:rPr>
-                                <m:t>1</m:t>
+                                <m:t>2</m:t>
                               </m:r>
                             </m:sub>
                           </m:sSub>
@@ -3474,7 +3480,7 @@
                                 <a:rPr lang="en-US" sz="2400" b="0" i="1" smtClean="0">
                                   <a:latin typeface="Cambria Math" panose="02040503050406030204" pitchFamily="18" charset="0"/>
                                 </a:rPr>
-                                <m:t>𝑚</m:t>
+                                <m:t>𝑤</m:t>
                               </m:r>
                             </m:e>
                             <m:sub>
@@ -3482,7 +3488,7 @@
                                 <a:rPr lang="en-US" sz="2400" b="0" i="1" smtClean="0">
                                   <a:latin typeface="Cambria Math" panose="02040503050406030204" pitchFamily="18" charset="0"/>
                                 </a:rPr>
-                                <m:t>2</m:t>
+                                <m:t>1</m:t>
                               </m:r>
                             </m:sub>
                           </m:sSub>
@@ -3530,7 +3536,7 @@
                                 <a:rPr lang="en-US" sz="2400" b="0" i="1" smtClean="0">
                                   <a:latin typeface="Cambria Math" panose="02040503050406030204" pitchFamily="18" charset="0"/>
                                 </a:rPr>
-                                <m:t>𝑚</m:t>
+                                <m:t>𝑤</m:t>
                               </m:r>
                             </m:e>
                             <m:sub>
@@ -3538,7 +3544,7 @@
                                 <a:rPr lang="en-US" sz="2400" b="0" i="1" smtClean="0">
                                   <a:latin typeface="Cambria Math" panose="02040503050406030204" pitchFamily="18" charset="0"/>
                                 </a:rPr>
-                                <m:t>2</m:t>
+                                <m:t>1</m:t>
                               </m:r>
                             </m:sub>
                           </m:sSub>
@@ -3630,7 +3636,7 @@
                                 <a:rPr lang="en-US" sz="2400" b="0" i="1" smtClean="0">
                                   <a:latin typeface="Cambria Math" panose="02040503050406030204" pitchFamily="18" charset="0"/>
                                 </a:rPr>
-                                <m:t>𝑚</m:t>
+                                <m:t>𝑤</m:t>
                               </m:r>
                             </m:e>
                             <m:sub>
@@ -3661,7 +3667,7 @@
                                 <a:rPr lang="en-US" sz="2400" b="0" i="1" smtClean="0">
                                   <a:latin typeface="Cambria Math" panose="02040503050406030204" pitchFamily="18" charset="0"/>
                                 </a:rPr>
-                                <m:t>𝑚</m:t>
+                                <m:t>𝑤</m:t>
                               </m:r>
                             </m:e>
                             <m:sub>
@@ -3701,7 +3707,7 @@
             <p:spPr>
               <a:xfrm>
                 <a:off x="1366157" y="1224642"/>
-                <a:ext cx="4706801" cy="777200"/>
+                <a:ext cx="4577728" cy="777200"/>
               </a:xfrm>
               <a:prstGeom prst="rect">
                 <a:avLst/>
@@ -3718,7 +3724,7 @@
               <a:lstStyle/>
               <a:p>
                 <a:r>
-                  <a:rPr lang="en-US">
+                  <a:rPr lang="LID4096">
                     <a:noFill/>
                   </a:rPr>
                   <a:t> </a:t>
@@ -3758,6 +3764,7 @@
               </a:bodyPr>
               <a:lstStyle/>
               <a:p>
+                <a:pPr/>
                 <a14:m>
                   <m:oMathPara xmlns:m="http://schemas.openxmlformats.org/officeDocument/2006/math">
                     <m:oMathParaPr>
@@ -3825,7 +3832,7 @@
                                 <a:rPr lang="en-US" sz="2400" b="0" i="1" smtClean="0">
                                   <a:latin typeface="Cambria Math" panose="02040503050406030204" pitchFamily="18" charset="0"/>
                                 </a:rPr>
-                                <m:t>𝑚</m:t>
+                                <m:t>𝑤</m:t>
                               </m:r>
                             </m:e>
                             <m:sub>
@@ -3833,7 +3840,7 @@
                                 <a:rPr lang="en-US" sz="2400" b="0" i="1" smtClean="0">
                                   <a:latin typeface="Cambria Math" panose="02040503050406030204" pitchFamily="18" charset="0"/>
                                 </a:rPr>
-                                <m:t>1</m:t>
+                                <m:t>2</m:t>
                               </m:r>
                             </m:sub>
                           </m:sSub>
@@ -3889,7 +3896,7 @@
                                 <a:rPr lang="en-US" sz="2400" b="0" i="1" smtClean="0">
                                   <a:latin typeface="Cambria Math" panose="02040503050406030204" pitchFamily="18" charset="0"/>
                                 </a:rPr>
-                                <m:t>2</m:t>
+                                <m:t>1</m:t>
                               </m:r>
                             </m:sub>
                           </m:sSub>
@@ -3945,7 +3952,7 @@
                                 <a:rPr lang="en-US" sz="2400" b="0" i="1" smtClean="0">
                                   <a:latin typeface="Cambria Math" panose="02040503050406030204" pitchFamily="18" charset="0"/>
                                 </a:rPr>
-                                <m:t>1</m:t>
+                                <m:t>2</m:t>
                               </m:r>
                             </m:sub>
                           </m:sSub>
@@ -4045,7 +4052,7 @@
                                 <a:rPr lang="en-US" sz="2400" b="0" i="1" smtClean="0">
                                   <a:latin typeface="Cambria Math" panose="02040503050406030204" pitchFamily="18" charset="0"/>
                                 </a:rPr>
-                                <m:t>1</m:t>
+                                <m:t>2</m:t>
                               </m:r>
                             </m:sub>
                           </m:sSub>
@@ -4076,7 +4083,7 @@
                                 <a:rPr lang="en-US" sz="2400" b="0" i="1" smtClean="0">
                                   <a:latin typeface="Cambria Math" panose="02040503050406030204" pitchFamily="18" charset="0"/>
                                 </a:rPr>
-                                <m:t>2</m:t>
+                                <m:t>1</m:t>
                               </m:r>
                             </m:sub>
                           </m:sSub>
@@ -4125,7 +4132,7 @@
               <a:lstStyle/>
               <a:p>
                 <a:r>
-                  <a:rPr lang="en-US">
+                  <a:rPr lang="LID4096">
                     <a:noFill/>
                   </a:rPr>
                   <a:t> </a:t>
